--- a/docs/diagrams/LogicComponentClassDiagram.pptx
+++ b/docs/diagrams/LogicComponentClassDiagram.pptx
@@ -208,7 +208,7 @@
           <a:p>
             <a:fld id="{F5CC4B3F-88C1-4FFA-B1B6-F41C21DC6924}" type="datetimeFigureOut">
               <a:rPr lang="en-US" smtClean="0"/>
-              <a:t>6/2/17</a:t>
+              <a:t>7/21/2017</a:t>
             </a:fld>
             <a:endParaRPr lang="en-US"/>
           </a:p>
@@ -654,7 +654,7 @@
           <a:p>
             <a:fld id="{78C97017-6FC3-485B-9764-EAC9E56C1D49}" type="datetimeFigureOut">
               <a:rPr lang="en-US" smtClean="0"/>
-              <a:t>6/2/17</a:t>
+              <a:t>7/21/2017</a:t>
             </a:fld>
             <a:endParaRPr lang="en-US"/>
           </a:p>
@@ -822,7 +822,7 @@
           <a:p>
             <a:fld id="{78C97017-6FC3-485B-9764-EAC9E56C1D49}" type="datetimeFigureOut">
               <a:rPr lang="en-US" smtClean="0"/>
-              <a:t>6/2/17</a:t>
+              <a:t>7/21/2017</a:t>
             </a:fld>
             <a:endParaRPr lang="en-US"/>
           </a:p>
@@ -1000,7 +1000,7 @@
           <a:p>
             <a:fld id="{78C97017-6FC3-485B-9764-EAC9E56C1D49}" type="datetimeFigureOut">
               <a:rPr lang="en-US" smtClean="0"/>
-              <a:t>6/2/17</a:t>
+              <a:t>7/21/2017</a:t>
             </a:fld>
             <a:endParaRPr lang="en-US"/>
           </a:p>
@@ -1168,7 +1168,7 @@
           <a:p>
             <a:fld id="{78C97017-6FC3-485B-9764-EAC9E56C1D49}" type="datetimeFigureOut">
               <a:rPr lang="en-US" smtClean="0"/>
-              <a:t>6/2/17</a:t>
+              <a:t>7/21/2017</a:t>
             </a:fld>
             <a:endParaRPr lang="en-US"/>
           </a:p>
@@ -1413,7 +1413,7 @@
           <a:p>
             <a:fld id="{78C97017-6FC3-485B-9764-EAC9E56C1D49}" type="datetimeFigureOut">
               <a:rPr lang="en-US" smtClean="0"/>
-              <a:t>6/2/17</a:t>
+              <a:t>7/21/2017</a:t>
             </a:fld>
             <a:endParaRPr lang="en-US"/>
           </a:p>
@@ -1698,7 +1698,7 @@
           <a:p>
             <a:fld id="{78C97017-6FC3-485B-9764-EAC9E56C1D49}" type="datetimeFigureOut">
               <a:rPr lang="en-US" smtClean="0"/>
-              <a:t>6/2/17</a:t>
+              <a:t>7/21/2017</a:t>
             </a:fld>
             <a:endParaRPr lang="en-US"/>
           </a:p>
@@ -2117,7 +2117,7 @@
           <a:p>
             <a:fld id="{78C97017-6FC3-485B-9764-EAC9E56C1D49}" type="datetimeFigureOut">
               <a:rPr lang="en-US" smtClean="0"/>
-              <a:t>6/2/17</a:t>
+              <a:t>7/21/2017</a:t>
             </a:fld>
             <a:endParaRPr lang="en-US"/>
           </a:p>
@@ -2234,7 +2234,7 @@
           <a:p>
             <a:fld id="{78C97017-6FC3-485B-9764-EAC9E56C1D49}" type="datetimeFigureOut">
               <a:rPr lang="en-US" smtClean="0"/>
-              <a:t>6/2/17</a:t>
+              <a:t>7/21/2017</a:t>
             </a:fld>
             <a:endParaRPr lang="en-US"/>
           </a:p>
@@ -2329,7 +2329,7 @@
           <a:p>
             <a:fld id="{78C97017-6FC3-485B-9764-EAC9E56C1D49}" type="datetimeFigureOut">
               <a:rPr lang="en-US" smtClean="0"/>
-              <a:t>6/2/17</a:t>
+              <a:t>7/21/2017</a:t>
             </a:fld>
             <a:endParaRPr lang="en-US"/>
           </a:p>
@@ -2604,7 +2604,7 @@
           <a:p>
             <a:fld id="{78C97017-6FC3-485B-9764-EAC9E56C1D49}" type="datetimeFigureOut">
               <a:rPr lang="en-US" smtClean="0"/>
-              <a:t>6/2/17</a:t>
+              <a:t>7/21/2017</a:t>
             </a:fld>
             <a:endParaRPr lang="en-US"/>
           </a:p>
@@ -2856,7 +2856,7 @@
           <a:p>
             <a:fld id="{78C97017-6FC3-485B-9764-EAC9E56C1D49}" type="datetimeFigureOut">
               <a:rPr lang="en-US" smtClean="0"/>
-              <a:t>6/2/17</a:t>
+              <a:t>7/21/2017</a:t>
             </a:fld>
             <a:endParaRPr lang="en-US"/>
           </a:p>
@@ -3067,7 +3067,7 @@
           <a:p>
             <a:fld id="{78C97017-6FC3-485B-9764-EAC9E56C1D49}" type="datetimeFigureOut">
               <a:rPr lang="en-US" smtClean="0"/>
-              <a:t>6/2/17</a:t>
+              <a:t>7/21/2017</a:t>
             </a:fld>
             <a:endParaRPr lang="en-US"/>
           </a:p>
@@ -3450,7 +3450,7 @@
         </p:nvSpPr>
         <p:spPr>
           <a:xfrm>
-            <a:off x="1066800" y="914400"/>
+            <a:off x="1111312" y="974825"/>
             <a:ext cx="7467600" cy="3733800"/>
           </a:xfrm>
           <a:prstGeom prst="roundRect">
@@ -3926,7 +3926,7 @@
                   <a:srgbClr val="0070C0"/>
                 </a:solidFill>
               </a:rPr>
-              <a:t>Incorrect</a:t>
+              <a:t>History</a:t>
             </a:r>
             <a:br>
               <a:rPr lang="en-US" sz="1050" b="1" dirty="0">
@@ -4415,13 +4415,13 @@
         <p:nvCxnSpPr>
           <p:cNvPr id="25" name="Elbow Connector 63"/>
           <p:cNvCxnSpPr>
-            <a:endCxn id="12" idx="1"/>
+            <a:cxnSpLocks/>
           </p:cNvCxnSpPr>
           <p:nvPr/>
         </p:nvCxnSpPr>
         <p:spPr>
           <a:xfrm>
-            <a:off x="2743200" y="3939492"/>
+            <a:off x="2743200" y="3901564"/>
             <a:ext cx="4695039" cy="382928"/>
           </a:xfrm>
           <a:prstGeom prst="bentConnector3">
@@ -6629,7 +6629,7 @@
         </p:nvSpPr>
         <p:spPr>
           <a:xfrm>
-            <a:off x="1295065" y="4183424"/>
+            <a:off x="1180625" y="4154328"/>
             <a:ext cx="805984" cy="346760"/>
           </a:xfrm>
           <a:prstGeom prst="rect">
@@ -6665,7 +6665,7 @@
           <a:p>
             <a:pPr algn="ctr"/>
             <a:r>
-              <a:rPr lang="en-US" sz="1050" smtClean="0">
+              <a:rPr lang="en-US" sz="1050" dirty="0">
                 <a:solidFill>
                   <a:schemeClr val="bg1"/>
                 </a:solidFill>
@@ -6676,7 +6676,7 @@
           <a:p>
             <a:pPr algn="ctr"/>
             <a:r>
-              <a:rPr lang="en-US" sz="1050" dirty="0" smtClean="0">
+              <a:rPr lang="en-US" sz="1050" dirty="0">
                 <a:solidFill>
                   <a:schemeClr val="bg1"/>
                 </a:solidFill>
@@ -6737,7 +6737,7 @@
         </p:nvSpPr>
         <p:spPr>
           <a:xfrm>
-            <a:off x="1773980" y="4000395"/>
+            <a:off x="1647039" y="4010045"/>
             <a:ext cx="131116" cy="230832"/>
           </a:xfrm>
           <a:prstGeom prst="rect">
@@ -6768,6 +6768,108 @@
           </a:p>
         </p:txBody>
       </p:sp>
+      <p:sp>
+        <p:nvSpPr>
+          <p:cNvPr id="7" name="Rectangle 6">
+            <a:extLst>
+              <a:ext uri="{FF2B5EF4-FFF2-40B4-BE49-F238E27FC236}">
+                <a16:creationId xmlns:a16="http://schemas.microsoft.com/office/drawing/2014/main" id="{62877CF6-5F71-4521-8426-FF1E04CB76A6}"/>
+              </a:ext>
+            </a:extLst>
+          </p:cNvPr>
+          <p:cNvSpPr/>
+          <p:nvPr/>
+        </p:nvSpPr>
+        <p:spPr>
+          <a:xfrm>
+            <a:off x="2372631" y="4322419"/>
+            <a:ext cx="1284969" cy="284135"/>
+          </a:xfrm>
+          <a:prstGeom prst="rect">
+            <a:avLst/>
+          </a:prstGeom>
+        </p:spPr>
+        <p:style>
+          <a:lnRef idx="2">
+            <a:schemeClr val="accent1">
+              <a:shade val="50000"/>
+            </a:schemeClr>
+          </a:lnRef>
+          <a:fillRef idx="1">
+            <a:schemeClr val="accent1"/>
+          </a:fillRef>
+          <a:effectRef idx="0">
+            <a:schemeClr val="accent1"/>
+          </a:effectRef>
+          <a:fontRef idx="minor">
+            <a:schemeClr val="lt1"/>
+          </a:fontRef>
+        </p:style>
+        <p:txBody>
+          <a:bodyPr rtlCol="0" anchor="ctr"/>
+          <a:lstStyle/>
+          <a:p>
+            <a:pPr algn="ctr"/>
+            <a:r>
+              <a:rPr lang="en-SG" sz="1050" dirty="0"/>
+              <a:t>UndoCommand</a:t>
+            </a:r>
+          </a:p>
+          <a:p>
+            <a:pPr algn="ctr"/>
+            <a:r>
+              <a:rPr lang="en-SG" sz="1050" dirty="0"/>
+              <a:t>History</a:t>
+            </a:r>
+          </a:p>
+        </p:txBody>
+      </p:sp>
+      <p:cxnSp>
+        <p:nvCxnSpPr>
+          <p:cNvPr id="75" name="Straight Arrow Connector 57">
+            <a:extLst>
+              <a:ext uri="{FF2B5EF4-FFF2-40B4-BE49-F238E27FC236}">
+                <a16:creationId xmlns:a16="http://schemas.microsoft.com/office/drawing/2014/main" id="{57E90BA7-7649-48DB-AE03-A1EA2D7FA46D}"/>
+              </a:ext>
+            </a:extLst>
+          </p:cNvPr>
+          <p:cNvCxnSpPr>
+            <a:cxnSpLocks/>
+          </p:cNvCxnSpPr>
+          <p:nvPr/>
+        </p:nvCxnSpPr>
+        <p:spPr>
+          <a:xfrm>
+            <a:off x="2488543" y="3935004"/>
+            <a:ext cx="0" cy="387416"/>
+          </a:xfrm>
+          <a:prstGeom prst="straightConnector1">
+            <a:avLst/>
+          </a:prstGeom>
+          <a:ln w="19050">
+            <a:solidFill>
+              <a:srgbClr val="0070C0"/>
+            </a:solidFill>
+            <a:headEnd type="none" w="med" len="med"/>
+            <a:tailEnd type="arrow" w="med" len="med"/>
+          </a:ln>
+          <a:effectLst/>
+        </p:spPr>
+        <p:style>
+          <a:lnRef idx="1">
+            <a:schemeClr val="accent2"/>
+          </a:lnRef>
+          <a:fillRef idx="2">
+            <a:schemeClr val="accent2"/>
+          </a:fillRef>
+          <a:effectRef idx="1">
+            <a:schemeClr val="accent2"/>
+          </a:effectRef>
+          <a:fontRef idx="minor">
+            <a:schemeClr val="dk1"/>
+          </a:fontRef>
+        </p:style>
+      </p:cxnSp>
     </p:spTree>
     <p:extLst>
       <p:ext uri="{BB962C8B-B14F-4D97-AF65-F5344CB8AC3E}">
